--- a/Presentation_Watermelon Intelligence_2.pptx
+++ b/Presentation_Watermelon Intelligence_2.pptx
@@ -12,6 +12,7 @@
     <p:sldId id="265" r:id="rId6"/>
     <p:sldId id="266" r:id="rId7"/>
     <p:sldId id="267" r:id="rId8"/>
+    <p:sldId id="269" r:id="rId9"/>
   </p:sldIdLst>
   <p:sldSz cx="12192000" cy="6858000"/>
   <p:notesSz cx="6858000" cy="9144000"/>
@@ -10175,6 +10176,1269 @@
 </p:sld>
 </file>
 
+<file path=ppt/slides/slide8.xml><?xml version="1.0" encoding="utf-8"?>
+<p:sld xmlns:a="http://schemas.openxmlformats.org/drawingml/2006/main" xmlns:r="http://schemas.openxmlformats.org/officeDocument/2006/relationships" xmlns:p="http://schemas.openxmlformats.org/presentationml/2006/main">
+  <p:cSld>
+    <p:spTree>
+      <p:nvGrpSpPr>
+        <p:cNvPr id="1" name=""/>
+        <p:cNvGrpSpPr/>
+        <p:nvPr/>
+      </p:nvGrpSpPr>
+      <p:grpSpPr>
+        <a:xfrm>
+          <a:off x="0" y="0"/>
+          <a:ext cx="0" cy="0"/>
+          <a:chOff x="0" y="0"/>
+          <a:chExt cx="0" cy="0"/>
+        </a:xfrm>
+      </p:grpSpPr>
+      <p:sp>
+        <p:nvSpPr>
+          <p:cNvPr id="6" name="Rechteck: abgerundete Ecken 5">
+            <a:extLst>
+              <a:ext uri="{FF2B5EF4-FFF2-40B4-BE49-F238E27FC236}">
+                <a16:creationId xmlns:a16="http://schemas.microsoft.com/office/drawing/2014/main" id="{A9B56D76-F85E-4844-9E96-5E714662AAF1}"/>
+              </a:ext>
+            </a:extLst>
+          </p:cNvPr>
+          <p:cNvSpPr/>
+          <p:nvPr/>
+        </p:nvSpPr>
+        <p:spPr>
+          <a:xfrm>
+            <a:off x="2438400" y="1162051"/>
+            <a:ext cx="3546311" cy="413028"/>
+          </a:xfrm>
+          <a:prstGeom prst="roundRect">
+            <a:avLst/>
+          </a:prstGeom>
+          <a:solidFill>
+            <a:srgbClr val="FFF2C9"/>
+          </a:solidFill>
+          <a:ln w="57150">
+            <a:noFill/>
+          </a:ln>
+        </p:spPr>
+        <p:style>
+          <a:lnRef idx="2">
+            <a:schemeClr val="accent1">
+              <a:shade val="50000"/>
+            </a:schemeClr>
+          </a:lnRef>
+          <a:fillRef idx="1">
+            <a:schemeClr val="accent1"/>
+          </a:fillRef>
+          <a:effectRef idx="0">
+            <a:schemeClr val="accent1"/>
+          </a:effectRef>
+          <a:fontRef idx="minor">
+            <a:schemeClr val="lt1"/>
+          </a:fontRef>
+        </p:style>
+        <p:txBody>
+          <a:bodyPr rtlCol="0" anchor="ctr"/>
+          <a:lstStyle/>
+          <a:p>
+            <a:pPr algn="ctr"/>
+            <a:r>
+              <a:rPr lang="de-DE" sz="1600" b="1" dirty="0">
+                <a:ln w="0"/>
+                <a:solidFill>
+                  <a:schemeClr val="bg2">
+                    <a:lumMod val="50000"/>
+                  </a:schemeClr>
+                </a:solidFill>
+                <a:latin typeface="Altair" panose="00000500000000000000" pitchFamily="2" charset="0"/>
+              </a:rPr>
+              <a:t>MVP</a:t>
+            </a:r>
+            <a:endParaRPr lang="de-DE" sz="1200" b="1" dirty="0">
+              <a:solidFill>
+                <a:schemeClr val="bg2">
+                  <a:lumMod val="50000"/>
+                </a:schemeClr>
+              </a:solidFill>
+              <a:latin typeface="Altair" panose="00000500000000000000" pitchFamily="2" charset="0"/>
+            </a:endParaRPr>
+          </a:p>
+        </p:txBody>
+      </p:sp>
+      <p:sp>
+        <p:nvSpPr>
+          <p:cNvPr id="7" name="Rechteck: abgerundete Ecken 6">
+            <a:extLst>
+              <a:ext uri="{FF2B5EF4-FFF2-40B4-BE49-F238E27FC236}">
+                <a16:creationId xmlns:a16="http://schemas.microsoft.com/office/drawing/2014/main" id="{66DEB68D-4FF1-4B9B-BB16-9E14B671FFBD}"/>
+              </a:ext>
+            </a:extLst>
+          </p:cNvPr>
+          <p:cNvSpPr/>
+          <p:nvPr/>
+        </p:nvSpPr>
+        <p:spPr>
+          <a:xfrm>
+            <a:off x="2438400" y="1666313"/>
+            <a:ext cx="3546311" cy="1354106"/>
+          </a:xfrm>
+          <a:prstGeom prst="roundRect">
+            <a:avLst>
+              <a:gd name="adj" fmla="val 3161"/>
+            </a:avLst>
+          </a:prstGeom>
+          <a:solidFill>
+            <a:srgbClr val="FFF9E5"/>
+          </a:solidFill>
+          <a:ln w="57150">
+            <a:noFill/>
+          </a:ln>
+        </p:spPr>
+        <p:style>
+          <a:lnRef idx="2">
+            <a:schemeClr val="accent1">
+              <a:shade val="50000"/>
+            </a:schemeClr>
+          </a:lnRef>
+          <a:fillRef idx="1">
+            <a:schemeClr val="accent1"/>
+          </a:fillRef>
+          <a:effectRef idx="0">
+            <a:schemeClr val="accent1"/>
+          </a:effectRef>
+          <a:fontRef idx="minor">
+            <a:schemeClr val="lt1"/>
+          </a:fontRef>
+        </p:style>
+        <p:txBody>
+          <a:bodyPr rtlCol="0" anchor="t"/>
+          <a:lstStyle/>
+          <a:p>
+            <a:r>
+              <a:rPr lang="de-DE" sz="1600" dirty="0">
+                <a:ln w="0"/>
+                <a:solidFill>
+                  <a:schemeClr val="bg2">
+                    <a:lumMod val="50000"/>
+                  </a:schemeClr>
+                </a:solidFill>
+              </a:rPr>
+              <a:t>Mockups </a:t>
+            </a:r>
+            <a:r>
+              <a:rPr lang="de-DE" sz="1600" dirty="0" err="1">
+                <a:ln w="0"/>
+                <a:solidFill>
+                  <a:schemeClr val="bg2">
+                    <a:lumMod val="50000"/>
+                  </a:schemeClr>
+                </a:solidFill>
+              </a:rPr>
+              <a:t>of</a:t>
+            </a:r>
+            <a:r>
+              <a:rPr lang="de-DE" sz="1600" dirty="0">
+                <a:ln w="0"/>
+                <a:solidFill>
+                  <a:schemeClr val="bg2">
+                    <a:lumMod val="50000"/>
+                  </a:schemeClr>
+                </a:solidFill>
+              </a:rPr>
+              <a:t> Frontend</a:t>
+            </a:r>
+          </a:p>
+          <a:p>
+            <a:r>
+              <a:rPr lang="en-US" sz="1600" dirty="0">
+                <a:ln w="0"/>
+                <a:solidFill>
+                  <a:schemeClr val="bg2">
+                    <a:lumMod val="50000"/>
+                  </a:schemeClr>
+                </a:solidFill>
+              </a:rPr>
+              <a:t>Exemplary Analysis in Python</a:t>
+            </a:r>
+            <a:r>
+              <a:rPr lang="de-DE" sz="1600" dirty="0">
+                <a:ln w="0"/>
+                <a:solidFill>
+                  <a:schemeClr val="bg2">
+                    <a:lumMod val="50000"/>
+                  </a:schemeClr>
+                </a:solidFill>
+              </a:rPr>
+              <a:t> </a:t>
+            </a:r>
+          </a:p>
+        </p:txBody>
+      </p:sp>
+      <p:sp>
+        <p:nvSpPr>
+          <p:cNvPr id="8" name="Rechteck: abgerundete Ecken 7">
+            <a:extLst>
+              <a:ext uri="{FF2B5EF4-FFF2-40B4-BE49-F238E27FC236}">
+                <a16:creationId xmlns:a16="http://schemas.microsoft.com/office/drawing/2014/main" id="{16359327-F598-4654-A3C5-779C669AA916}"/>
+              </a:ext>
+            </a:extLst>
+          </p:cNvPr>
+          <p:cNvSpPr/>
+          <p:nvPr/>
+        </p:nvSpPr>
+        <p:spPr>
+          <a:xfrm>
+            <a:off x="2438400" y="3457576"/>
+            <a:ext cx="3546311" cy="413028"/>
+          </a:xfrm>
+          <a:prstGeom prst="roundRect">
+            <a:avLst/>
+          </a:prstGeom>
+          <a:solidFill>
+            <a:srgbClr val="FFF2C9"/>
+          </a:solidFill>
+          <a:ln w="57150">
+            <a:noFill/>
+          </a:ln>
+        </p:spPr>
+        <p:style>
+          <a:lnRef idx="2">
+            <a:schemeClr val="accent1">
+              <a:shade val="50000"/>
+            </a:schemeClr>
+          </a:lnRef>
+          <a:fillRef idx="1">
+            <a:schemeClr val="accent1"/>
+          </a:fillRef>
+          <a:effectRef idx="0">
+            <a:schemeClr val="accent1"/>
+          </a:effectRef>
+          <a:fontRef idx="minor">
+            <a:schemeClr val="lt1"/>
+          </a:fontRef>
+        </p:style>
+        <p:txBody>
+          <a:bodyPr rtlCol="0" anchor="ctr"/>
+          <a:lstStyle/>
+          <a:p>
+            <a:pPr algn="ctr"/>
+            <a:r>
+              <a:rPr lang="de-DE" sz="1600" b="1" dirty="0">
+                <a:solidFill>
+                  <a:schemeClr val="bg2">
+                    <a:lumMod val="50000"/>
+                  </a:schemeClr>
+                </a:solidFill>
+                <a:latin typeface="Altair" panose="00000500000000000000" pitchFamily="2" charset="0"/>
+              </a:rPr>
+              <a:t>Technology</a:t>
+            </a:r>
+            <a:endParaRPr lang="de-DE" sz="1200" b="1" dirty="0">
+              <a:solidFill>
+                <a:schemeClr val="bg2">
+                  <a:lumMod val="50000"/>
+                </a:schemeClr>
+              </a:solidFill>
+              <a:latin typeface="Altair" panose="00000500000000000000" pitchFamily="2" charset="0"/>
+            </a:endParaRPr>
+          </a:p>
+        </p:txBody>
+      </p:sp>
+      <p:sp>
+        <p:nvSpPr>
+          <p:cNvPr id="9" name="Rechteck: abgerundete Ecken 8">
+            <a:extLst>
+              <a:ext uri="{FF2B5EF4-FFF2-40B4-BE49-F238E27FC236}">
+                <a16:creationId xmlns:a16="http://schemas.microsoft.com/office/drawing/2014/main" id="{F2B2ECE4-73CA-4F72-89EF-8EF1D63E5659}"/>
+              </a:ext>
+            </a:extLst>
+          </p:cNvPr>
+          <p:cNvSpPr/>
+          <p:nvPr/>
+        </p:nvSpPr>
+        <p:spPr>
+          <a:xfrm>
+            <a:off x="2438400" y="3961838"/>
+            <a:ext cx="3546311" cy="1354106"/>
+          </a:xfrm>
+          <a:prstGeom prst="roundRect">
+            <a:avLst>
+              <a:gd name="adj" fmla="val 3161"/>
+            </a:avLst>
+          </a:prstGeom>
+          <a:solidFill>
+            <a:srgbClr val="FFF9E5"/>
+          </a:solidFill>
+          <a:ln w="57150">
+            <a:noFill/>
+          </a:ln>
+        </p:spPr>
+        <p:style>
+          <a:lnRef idx="2">
+            <a:schemeClr val="accent1">
+              <a:shade val="50000"/>
+            </a:schemeClr>
+          </a:lnRef>
+          <a:fillRef idx="1">
+            <a:schemeClr val="accent1"/>
+          </a:fillRef>
+          <a:effectRef idx="0">
+            <a:schemeClr val="accent1"/>
+          </a:effectRef>
+          <a:fontRef idx="minor">
+            <a:schemeClr val="lt1"/>
+          </a:fontRef>
+        </p:style>
+        <p:txBody>
+          <a:bodyPr rtlCol="0" anchor="t"/>
+          <a:lstStyle/>
+          <a:p>
+            <a:r>
+              <a:rPr lang="de-DE" sz="1600" dirty="0">
+                <a:ln w="0"/>
+                <a:solidFill>
+                  <a:schemeClr val="bg2">
+                    <a:lumMod val="50000"/>
+                  </a:schemeClr>
+                </a:solidFill>
+              </a:rPr>
+              <a:t>Python (</a:t>
+            </a:r>
+            <a:r>
+              <a:rPr lang="de-DE" sz="1600" dirty="0" err="1">
+                <a:ln w="0"/>
+                <a:solidFill>
+                  <a:schemeClr val="bg2">
+                    <a:lumMod val="50000"/>
+                  </a:schemeClr>
+                </a:solidFill>
+              </a:rPr>
+              <a:t>matplotlib</a:t>
+            </a:r>
+            <a:r>
+              <a:rPr lang="de-DE" sz="1600" dirty="0">
+                <a:ln w="0"/>
+                <a:solidFill>
+                  <a:schemeClr val="bg2">
+                    <a:lumMod val="50000"/>
+                  </a:schemeClr>
+                </a:solidFill>
+              </a:rPr>
+              <a:t>, </a:t>
+            </a:r>
+            <a:r>
+              <a:rPr lang="de-DE" sz="1600" dirty="0" err="1">
+                <a:ln w="0"/>
+                <a:solidFill>
+                  <a:schemeClr val="bg2">
+                    <a:lumMod val="50000"/>
+                  </a:schemeClr>
+                </a:solidFill>
+              </a:rPr>
+              <a:t>numpy</a:t>
+            </a:r>
+            <a:r>
+              <a:rPr lang="de-DE" sz="1600" dirty="0">
+                <a:ln w="0"/>
+                <a:solidFill>
+                  <a:schemeClr val="bg2">
+                    <a:lumMod val="50000"/>
+                  </a:schemeClr>
+                </a:solidFill>
+              </a:rPr>
+              <a:t>)</a:t>
+            </a:r>
+          </a:p>
+          <a:p>
+            <a:r>
+              <a:rPr lang="de-DE" sz="1600" dirty="0">
+                <a:ln w="0"/>
+                <a:solidFill>
+                  <a:schemeClr val="bg2">
+                    <a:lumMod val="50000"/>
+                  </a:schemeClr>
+                </a:solidFill>
+              </a:rPr>
+              <a:t>Adobe Illustrator</a:t>
+            </a:r>
+          </a:p>
+          <a:p>
+            <a:r>
+              <a:rPr lang="de-DE" sz="1600" dirty="0">
+                <a:ln w="0"/>
+                <a:solidFill>
+                  <a:schemeClr val="bg2">
+                    <a:lumMod val="50000"/>
+                  </a:schemeClr>
+                </a:solidFill>
+              </a:rPr>
+              <a:t>Excel &amp; Power Point</a:t>
+            </a:r>
+          </a:p>
+          <a:p>
+            <a:endParaRPr lang="de-DE" sz="1600" dirty="0">
+              <a:ln w="0"/>
+              <a:solidFill>
+                <a:schemeClr val="bg2">
+                  <a:lumMod val="50000"/>
+                </a:schemeClr>
+              </a:solidFill>
+            </a:endParaRPr>
+          </a:p>
+        </p:txBody>
+      </p:sp>
+      <p:sp>
+        <p:nvSpPr>
+          <p:cNvPr id="12" name="Rechteck: abgerundete Ecken 11">
+            <a:extLst>
+              <a:ext uri="{FF2B5EF4-FFF2-40B4-BE49-F238E27FC236}">
+                <a16:creationId xmlns:a16="http://schemas.microsoft.com/office/drawing/2014/main" id="{7CADE284-94EA-427B-8E3A-09A1F5174A43}"/>
+              </a:ext>
+            </a:extLst>
+          </p:cNvPr>
+          <p:cNvSpPr/>
+          <p:nvPr/>
+        </p:nvSpPr>
+        <p:spPr>
+          <a:xfrm>
+            <a:off x="6238875" y="3457576"/>
+            <a:ext cx="3546311" cy="413028"/>
+          </a:xfrm>
+          <a:prstGeom prst="roundRect">
+            <a:avLst/>
+          </a:prstGeom>
+          <a:solidFill>
+            <a:srgbClr val="FFF2C9"/>
+          </a:solidFill>
+          <a:ln w="57150">
+            <a:noFill/>
+          </a:ln>
+        </p:spPr>
+        <p:style>
+          <a:lnRef idx="2">
+            <a:schemeClr val="accent1">
+              <a:shade val="50000"/>
+            </a:schemeClr>
+          </a:lnRef>
+          <a:fillRef idx="1">
+            <a:schemeClr val="accent1"/>
+          </a:fillRef>
+          <a:effectRef idx="0">
+            <a:schemeClr val="accent1"/>
+          </a:effectRef>
+          <a:fontRef idx="minor">
+            <a:schemeClr val="lt1"/>
+          </a:fontRef>
+        </p:style>
+        <p:txBody>
+          <a:bodyPr rtlCol="0" anchor="ctr"/>
+          <a:lstStyle/>
+          <a:p>
+            <a:pPr algn="ctr"/>
+            <a:r>
+              <a:rPr lang="de-DE" sz="1600" b="1" dirty="0">
+                <a:ln w="0"/>
+                <a:solidFill>
+                  <a:schemeClr val="bg2">
+                    <a:lumMod val="50000"/>
+                  </a:schemeClr>
+                </a:solidFill>
+                <a:latin typeface="Altair" panose="00000500000000000000" pitchFamily="2" charset="0"/>
+              </a:rPr>
+              <a:t>Problem</a:t>
+            </a:r>
+            <a:endParaRPr lang="de-DE" sz="1200" b="1" dirty="0">
+              <a:solidFill>
+                <a:schemeClr val="bg2">
+                  <a:lumMod val="50000"/>
+                </a:schemeClr>
+              </a:solidFill>
+              <a:latin typeface="Altair" panose="00000500000000000000" pitchFamily="2" charset="0"/>
+            </a:endParaRPr>
+          </a:p>
+        </p:txBody>
+      </p:sp>
+      <p:sp>
+        <p:nvSpPr>
+          <p:cNvPr id="13" name="Rechteck: abgerundete Ecken 12">
+            <a:extLst>
+              <a:ext uri="{FF2B5EF4-FFF2-40B4-BE49-F238E27FC236}">
+                <a16:creationId xmlns:a16="http://schemas.microsoft.com/office/drawing/2014/main" id="{797193C4-C666-47A7-85DB-83A06099C23A}"/>
+              </a:ext>
+            </a:extLst>
+          </p:cNvPr>
+          <p:cNvSpPr/>
+          <p:nvPr/>
+        </p:nvSpPr>
+        <p:spPr>
+          <a:xfrm>
+            <a:off x="6238875" y="3961838"/>
+            <a:ext cx="3546311" cy="1354106"/>
+          </a:xfrm>
+          <a:prstGeom prst="roundRect">
+            <a:avLst>
+              <a:gd name="adj" fmla="val 3161"/>
+            </a:avLst>
+          </a:prstGeom>
+          <a:solidFill>
+            <a:srgbClr val="FFF9E5"/>
+          </a:solidFill>
+          <a:ln w="57150">
+            <a:noFill/>
+          </a:ln>
+        </p:spPr>
+        <p:style>
+          <a:lnRef idx="2">
+            <a:schemeClr val="accent1">
+              <a:shade val="50000"/>
+            </a:schemeClr>
+          </a:lnRef>
+          <a:fillRef idx="1">
+            <a:schemeClr val="accent1"/>
+          </a:fillRef>
+          <a:effectRef idx="0">
+            <a:schemeClr val="accent1"/>
+          </a:effectRef>
+          <a:fontRef idx="minor">
+            <a:schemeClr val="lt1"/>
+          </a:fontRef>
+        </p:style>
+        <p:txBody>
+          <a:bodyPr rtlCol="0" anchor="t"/>
+          <a:lstStyle/>
+          <a:p>
+            <a:r>
+              <a:rPr lang="de-DE" sz="1600" dirty="0">
+                <a:ln w="0"/>
+                <a:solidFill>
+                  <a:schemeClr val="bg2">
+                    <a:lumMod val="50000"/>
+                  </a:schemeClr>
+                </a:solidFill>
+              </a:rPr>
+              <a:t>Not </a:t>
+            </a:r>
+            <a:r>
+              <a:rPr lang="de-DE" sz="1600" dirty="0" err="1">
+                <a:ln w="0"/>
+                <a:solidFill>
+                  <a:schemeClr val="bg2">
+                    <a:lumMod val="50000"/>
+                  </a:schemeClr>
+                </a:solidFill>
+              </a:rPr>
+              <a:t>having</a:t>
+            </a:r>
+            <a:r>
+              <a:rPr lang="de-DE" sz="1600" dirty="0">
+                <a:ln w="0"/>
+                <a:solidFill>
+                  <a:schemeClr val="bg2">
+                    <a:lumMod val="50000"/>
+                  </a:schemeClr>
+                </a:solidFill>
+              </a:rPr>
+              <a:t> all </a:t>
+            </a:r>
+            <a:r>
+              <a:rPr lang="de-DE" sz="1600" dirty="0" err="1">
+                <a:ln w="0"/>
+                <a:solidFill>
+                  <a:schemeClr val="bg2">
+                    <a:lumMod val="50000"/>
+                  </a:schemeClr>
+                </a:solidFill>
+              </a:rPr>
+              <a:t>the</a:t>
+            </a:r>
+            <a:r>
+              <a:rPr lang="de-DE" sz="1600" dirty="0">
+                <a:ln w="0"/>
+                <a:solidFill>
+                  <a:schemeClr val="bg2">
+                    <a:lumMod val="50000"/>
+                  </a:schemeClr>
+                </a:solidFill>
+              </a:rPr>
+              <a:t> </a:t>
+            </a:r>
+            <a:r>
+              <a:rPr lang="de-DE" sz="1600" dirty="0" err="1">
+                <a:ln w="0"/>
+                <a:solidFill>
+                  <a:schemeClr val="bg2">
+                    <a:lumMod val="50000"/>
+                  </a:schemeClr>
+                </a:solidFill>
+              </a:rPr>
+              <a:t>data</a:t>
+            </a:r>
+            <a:r>
+              <a:rPr lang="de-DE" sz="1600" dirty="0">
+                <a:ln w="0"/>
+                <a:solidFill>
+                  <a:schemeClr val="bg2">
+                    <a:lumMod val="50000"/>
+                  </a:schemeClr>
+                </a:solidFill>
+              </a:rPr>
+              <a:t> in </a:t>
+            </a:r>
+            <a:r>
+              <a:rPr lang="de-DE" sz="1600" dirty="0" err="1">
+                <a:ln w="0"/>
+                <a:solidFill>
+                  <a:schemeClr val="bg2">
+                    <a:lumMod val="50000"/>
+                  </a:schemeClr>
+                </a:solidFill>
+              </a:rPr>
+              <a:t>one</a:t>
+            </a:r>
+            <a:r>
+              <a:rPr lang="de-DE" sz="1600" dirty="0">
+                <a:ln w="0"/>
+                <a:solidFill>
+                  <a:schemeClr val="bg2">
+                    <a:lumMod val="50000"/>
+                  </a:schemeClr>
+                </a:solidFill>
+              </a:rPr>
+              <a:t> </a:t>
+            </a:r>
+            <a:r>
+              <a:rPr lang="de-DE" sz="1600" dirty="0" err="1">
+                <a:ln w="0"/>
+                <a:solidFill>
+                  <a:schemeClr val="bg2">
+                    <a:lumMod val="50000"/>
+                  </a:schemeClr>
+                </a:solidFill>
+              </a:rPr>
+              <a:t>place</a:t>
+            </a:r>
+            <a:r>
+              <a:rPr lang="de-DE" sz="1600" dirty="0">
+                <a:ln w="0"/>
+                <a:solidFill>
+                  <a:schemeClr val="bg2">
+                    <a:lumMod val="50000"/>
+                  </a:schemeClr>
+                </a:solidFill>
+              </a:rPr>
+              <a:t> </a:t>
+            </a:r>
+            <a:r>
+              <a:rPr lang="de-DE" sz="1600" dirty="0" err="1">
+                <a:ln w="0"/>
+                <a:solidFill>
+                  <a:schemeClr val="bg2">
+                    <a:lumMod val="50000"/>
+                  </a:schemeClr>
+                </a:solidFill>
+              </a:rPr>
+              <a:t>for</a:t>
+            </a:r>
+            <a:r>
+              <a:rPr lang="de-DE" sz="1600" dirty="0">
+                <a:ln w="0"/>
+                <a:solidFill>
+                  <a:schemeClr val="bg2">
+                    <a:lumMod val="50000"/>
+                  </a:schemeClr>
+                </a:solidFill>
+              </a:rPr>
+              <a:t> a </a:t>
+            </a:r>
+            <a:r>
+              <a:rPr lang="de-DE" sz="1600" dirty="0" err="1">
+                <a:ln w="0"/>
+                <a:solidFill>
+                  <a:schemeClr val="bg2">
+                    <a:lumMod val="50000"/>
+                  </a:schemeClr>
+                </a:solidFill>
+              </a:rPr>
+              <a:t>holistic</a:t>
+            </a:r>
+            <a:r>
+              <a:rPr lang="de-DE" sz="1600" dirty="0">
+                <a:ln w="0"/>
+                <a:solidFill>
+                  <a:schemeClr val="bg2">
+                    <a:lumMod val="50000"/>
+                  </a:schemeClr>
+                </a:solidFill>
+              </a:rPr>
+              <a:t> </a:t>
+            </a:r>
+            <a:r>
+              <a:rPr lang="de-DE" sz="1600" dirty="0" err="1">
+                <a:ln w="0"/>
+                <a:solidFill>
+                  <a:schemeClr val="bg2">
+                    <a:lumMod val="50000"/>
+                  </a:schemeClr>
+                </a:solidFill>
+              </a:rPr>
+              <a:t>analysis</a:t>
+            </a:r>
+            <a:r>
+              <a:rPr lang="de-DE" sz="1600" dirty="0">
+                <a:ln w="0"/>
+                <a:solidFill>
+                  <a:schemeClr val="bg2">
+                    <a:lumMod val="50000"/>
+                  </a:schemeClr>
+                </a:solidFill>
+              </a:rPr>
+              <a:t>. </a:t>
+            </a:r>
+          </a:p>
+        </p:txBody>
+      </p:sp>
+      <p:sp>
+        <p:nvSpPr>
+          <p:cNvPr id="14" name="Rechteck: abgerundete Ecken 13">
+            <a:extLst>
+              <a:ext uri="{FF2B5EF4-FFF2-40B4-BE49-F238E27FC236}">
+                <a16:creationId xmlns:a16="http://schemas.microsoft.com/office/drawing/2014/main" id="{40F53B06-74F8-45B5-BD7D-20D7D6AB6A17}"/>
+              </a:ext>
+            </a:extLst>
+          </p:cNvPr>
+          <p:cNvSpPr/>
+          <p:nvPr/>
+        </p:nvSpPr>
+        <p:spPr>
+          <a:xfrm>
+            <a:off x="6241886" y="1162051"/>
+            <a:ext cx="3546311" cy="413028"/>
+          </a:xfrm>
+          <a:prstGeom prst="roundRect">
+            <a:avLst/>
+          </a:prstGeom>
+          <a:solidFill>
+            <a:srgbClr val="FFF2C9"/>
+          </a:solidFill>
+          <a:ln w="57150">
+            <a:noFill/>
+          </a:ln>
+        </p:spPr>
+        <p:style>
+          <a:lnRef idx="2">
+            <a:schemeClr val="accent1">
+              <a:shade val="50000"/>
+            </a:schemeClr>
+          </a:lnRef>
+          <a:fillRef idx="1">
+            <a:schemeClr val="accent1"/>
+          </a:fillRef>
+          <a:effectRef idx="0">
+            <a:schemeClr val="accent1"/>
+          </a:effectRef>
+          <a:fontRef idx="minor">
+            <a:schemeClr val="lt1"/>
+          </a:fontRef>
+        </p:style>
+        <p:txBody>
+          <a:bodyPr rtlCol="0" anchor="ctr"/>
+          <a:lstStyle/>
+          <a:p>
+            <a:pPr algn="ctr"/>
+            <a:r>
+              <a:rPr lang="de-DE" sz="1600" b="1" dirty="0">
+                <a:ln w="0"/>
+                <a:solidFill>
+                  <a:schemeClr val="bg2">
+                    <a:lumMod val="50000"/>
+                  </a:schemeClr>
+                </a:solidFill>
+                <a:latin typeface="Altair" panose="00000500000000000000" pitchFamily="2" charset="0"/>
+              </a:rPr>
+              <a:t>Impact</a:t>
+            </a:r>
+            <a:endParaRPr lang="de-DE" sz="1200" b="1" dirty="0">
+              <a:solidFill>
+                <a:schemeClr val="bg2">
+                  <a:lumMod val="50000"/>
+                </a:schemeClr>
+              </a:solidFill>
+              <a:latin typeface="Altair" panose="00000500000000000000" pitchFamily="2" charset="0"/>
+            </a:endParaRPr>
+          </a:p>
+        </p:txBody>
+      </p:sp>
+      <p:sp>
+        <p:nvSpPr>
+          <p:cNvPr id="15" name="Rechteck: abgerundete Ecken 14">
+            <a:extLst>
+              <a:ext uri="{FF2B5EF4-FFF2-40B4-BE49-F238E27FC236}">
+                <a16:creationId xmlns:a16="http://schemas.microsoft.com/office/drawing/2014/main" id="{7840ED51-3128-4394-B0B0-4232D1DCECE1}"/>
+              </a:ext>
+            </a:extLst>
+          </p:cNvPr>
+          <p:cNvSpPr/>
+          <p:nvPr/>
+        </p:nvSpPr>
+        <p:spPr>
+          <a:xfrm>
+            <a:off x="6241886" y="1666313"/>
+            <a:ext cx="3546311" cy="1354106"/>
+          </a:xfrm>
+          <a:prstGeom prst="roundRect">
+            <a:avLst>
+              <a:gd name="adj" fmla="val 3161"/>
+            </a:avLst>
+          </a:prstGeom>
+          <a:solidFill>
+            <a:srgbClr val="FFF9E5"/>
+          </a:solidFill>
+          <a:ln w="57150">
+            <a:noFill/>
+          </a:ln>
+        </p:spPr>
+        <p:style>
+          <a:lnRef idx="2">
+            <a:schemeClr val="accent1">
+              <a:shade val="50000"/>
+            </a:schemeClr>
+          </a:lnRef>
+          <a:fillRef idx="1">
+            <a:schemeClr val="accent1"/>
+          </a:fillRef>
+          <a:effectRef idx="0">
+            <a:schemeClr val="accent1"/>
+          </a:effectRef>
+          <a:fontRef idx="minor">
+            <a:schemeClr val="lt1"/>
+          </a:fontRef>
+        </p:style>
+        <p:txBody>
+          <a:bodyPr rtlCol="0" anchor="t"/>
+          <a:lstStyle/>
+          <a:p>
+            <a:r>
+              <a:rPr lang="de-DE" sz="1600" dirty="0">
+                <a:ln w="0"/>
+                <a:solidFill>
+                  <a:schemeClr val="bg2">
+                    <a:lumMod val="50000"/>
+                  </a:schemeClr>
+                </a:solidFill>
+              </a:rPr>
+              <a:t>Providing a </a:t>
+            </a:r>
+            <a:r>
+              <a:rPr lang="de-DE" sz="1600" dirty="0" err="1">
+                <a:ln w="0"/>
+                <a:solidFill>
+                  <a:schemeClr val="bg2">
+                    <a:lumMod val="50000"/>
+                  </a:schemeClr>
+                </a:solidFill>
+              </a:rPr>
+              <a:t>data</a:t>
+            </a:r>
+            <a:r>
+              <a:rPr lang="de-DE" sz="1600" dirty="0">
+                <a:ln w="0"/>
+                <a:solidFill>
+                  <a:schemeClr val="bg2">
+                    <a:lumMod val="50000"/>
+                  </a:schemeClr>
+                </a:solidFill>
+              </a:rPr>
+              <a:t> </a:t>
+            </a:r>
+            <a:r>
+              <a:rPr lang="de-DE" sz="1600" dirty="0" err="1">
+                <a:ln w="0"/>
+                <a:solidFill>
+                  <a:schemeClr val="bg2">
+                    <a:lumMod val="50000"/>
+                  </a:schemeClr>
+                </a:solidFill>
+              </a:rPr>
+              <a:t>driven</a:t>
+            </a:r>
+            <a:r>
+              <a:rPr lang="de-DE" sz="1600" dirty="0">
+                <a:ln w="0"/>
+                <a:solidFill>
+                  <a:schemeClr val="bg2">
+                    <a:lumMod val="50000"/>
+                  </a:schemeClr>
+                </a:solidFill>
+              </a:rPr>
+              <a:t> </a:t>
+            </a:r>
+            <a:r>
+              <a:rPr lang="de-DE" sz="1600" dirty="0" err="1">
+                <a:ln w="0"/>
+                <a:solidFill>
+                  <a:schemeClr val="bg2">
+                    <a:lumMod val="50000"/>
+                  </a:schemeClr>
+                </a:solidFill>
+              </a:rPr>
+              <a:t>dimension</a:t>
+            </a:r>
+            <a:r>
+              <a:rPr lang="de-DE" sz="1600" dirty="0">
+                <a:ln w="0"/>
+                <a:solidFill>
+                  <a:schemeClr val="bg2">
+                    <a:lumMod val="50000"/>
+                  </a:schemeClr>
+                </a:solidFill>
+              </a:rPr>
+              <a:t> aka </a:t>
+            </a:r>
+            <a:r>
+              <a:rPr lang="de-DE" sz="1600" dirty="0" err="1">
+                <a:ln w="0"/>
+                <a:solidFill>
+                  <a:schemeClr val="bg2">
+                    <a:lumMod val="50000"/>
+                  </a:schemeClr>
+                </a:solidFill>
+              </a:rPr>
+              <a:t>objective</a:t>
+            </a:r>
+            <a:r>
+              <a:rPr lang="de-DE" sz="1600" dirty="0">
+                <a:ln w="0"/>
+                <a:solidFill>
+                  <a:schemeClr val="bg2">
+                    <a:lumMod val="50000"/>
+                  </a:schemeClr>
+                </a:solidFill>
+              </a:rPr>
+              <a:t> </a:t>
+            </a:r>
+            <a:r>
+              <a:rPr lang="de-DE" sz="1600" dirty="0" err="1">
+                <a:ln w="0"/>
+                <a:solidFill>
+                  <a:schemeClr val="bg2">
+                    <a:lumMod val="50000"/>
+                  </a:schemeClr>
+                </a:solidFill>
+              </a:rPr>
+              <a:t>data</a:t>
+            </a:r>
+            <a:r>
+              <a:rPr lang="de-DE" sz="1600" dirty="0">
+                <a:ln w="0"/>
+                <a:solidFill>
+                  <a:schemeClr val="bg2">
+                    <a:lumMod val="50000"/>
+                  </a:schemeClr>
+                </a:solidFill>
+              </a:rPr>
+              <a:t> </a:t>
+            </a:r>
+            <a:r>
+              <a:rPr lang="de-DE" sz="1600" dirty="0" err="1">
+                <a:ln w="0"/>
+                <a:solidFill>
+                  <a:schemeClr val="bg2">
+                    <a:lumMod val="50000"/>
+                  </a:schemeClr>
+                </a:solidFill>
+              </a:rPr>
+              <a:t>base</a:t>
+            </a:r>
+            <a:r>
+              <a:rPr lang="de-DE" sz="1600" dirty="0">
+                <a:ln w="0"/>
+                <a:solidFill>
+                  <a:schemeClr val="bg2">
+                    <a:lumMod val="50000"/>
+                  </a:schemeClr>
+                </a:solidFill>
+              </a:rPr>
+              <a:t> </a:t>
+            </a:r>
+            <a:r>
+              <a:rPr lang="de-DE" sz="1600" dirty="0" err="1">
+                <a:ln w="0"/>
+                <a:solidFill>
+                  <a:schemeClr val="bg2">
+                    <a:lumMod val="50000"/>
+                  </a:schemeClr>
+                </a:solidFill>
+              </a:rPr>
+              <a:t>to</a:t>
+            </a:r>
+            <a:r>
+              <a:rPr lang="de-DE" sz="1600" dirty="0">
+                <a:ln w="0"/>
+                <a:solidFill>
+                  <a:schemeClr val="bg2">
+                    <a:lumMod val="50000"/>
+                  </a:schemeClr>
+                </a:solidFill>
+              </a:rPr>
+              <a:t> </a:t>
+            </a:r>
+            <a:r>
+              <a:rPr lang="de-DE" sz="1600" dirty="0" err="1">
+                <a:ln w="0"/>
+                <a:solidFill>
+                  <a:schemeClr val="bg2">
+                    <a:lumMod val="50000"/>
+                  </a:schemeClr>
+                </a:solidFill>
+              </a:rPr>
+              <a:t>answer</a:t>
+            </a:r>
+            <a:r>
+              <a:rPr lang="de-DE" sz="1600" dirty="0">
+                <a:ln w="0"/>
+                <a:solidFill>
+                  <a:schemeClr val="bg2">
+                    <a:lumMod val="50000"/>
+                  </a:schemeClr>
+                </a:solidFill>
+              </a:rPr>
+              <a:t> </a:t>
+            </a:r>
+            <a:r>
+              <a:rPr lang="de-DE" sz="1600" dirty="0" err="1">
+                <a:ln w="0"/>
+                <a:solidFill>
+                  <a:schemeClr val="bg2">
+                    <a:lumMod val="50000"/>
+                  </a:schemeClr>
+                </a:solidFill>
+              </a:rPr>
+              <a:t>daily</a:t>
+            </a:r>
+            <a:r>
+              <a:rPr lang="de-DE" sz="1600" dirty="0">
+                <a:ln w="0"/>
+                <a:solidFill>
+                  <a:schemeClr val="bg2">
+                    <a:lumMod val="50000"/>
+                  </a:schemeClr>
+                </a:solidFill>
+              </a:rPr>
+              <a:t> </a:t>
+            </a:r>
+            <a:r>
+              <a:rPr lang="de-DE" sz="1600" dirty="0" err="1">
+                <a:ln w="0"/>
+                <a:solidFill>
+                  <a:schemeClr val="bg2">
+                    <a:lumMod val="50000"/>
+                  </a:schemeClr>
+                </a:solidFill>
+              </a:rPr>
+              <a:t>life</a:t>
+            </a:r>
+            <a:r>
+              <a:rPr lang="de-DE" sz="1600" dirty="0">
+                <a:ln w="0"/>
+                <a:solidFill>
+                  <a:schemeClr val="bg2">
+                    <a:lumMod val="50000"/>
+                  </a:schemeClr>
+                </a:solidFill>
+              </a:rPr>
+              <a:t> </a:t>
+            </a:r>
+            <a:r>
+              <a:rPr lang="de-DE" sz="1600" dirty="0" err="1">
+                <a:ln w="0"/>
+                <a:solidFill>
+                  <a:schemeClr val="bg2">
+                    <a:lumMod val="50000"/>
+                  </a:schemeClr>
+                </a:solidFill>
+              </a:rPr>
+              <a:t>questions</a:t>
+            </a:r>
+            <a:r>
+              <a:rPr lang="de-DE" sz="1600" dirty="0">
+                <a:ln w="0"/>
+                <a:solidFill>
+                  <a:schemeClr val="bg2">
+                    <a:lumMod val="50000"/>
+                  </a:schemeClr>
+                </a:solidFill>
+              </a:rPr>
+              <a:t>. Making </a:t>
+            </a:r>
+            <a:r>
+              <a:rPr lang="de-DE" sz="1600" dirty="0" err="1">
+                <a:ln w="0"/>
+                <a:solidFill>
+                  <a:schemeClr val="bg2">
+                    <a:lumMod val="50000"/>
+                  </a:schemeClr>
+                </a:solidFill>
+              </a:rPr>
+              <a:t>use</a:t>
+            </a:r>
+            <a:r>
+              <a:rPr lang="de-DE" sz="1600" dirty="0">
+                <a:ln w="0"/>
+                <a:solidFill>
+                  <a:schemeClr val="bg2">
+                    <a:lumMod val="50000"/>
+                  </a:schemeClr>
+                </a:solidFill>
+              </a:rPr>
+              <a:t> </a:t>
+            </a:r>
+            <a:r>
+              <a:rPr lang="de-DE" sz="1600" dirty="0" err="1">
+                <a:ln w="0"/>
+                <a:solidFill>
+                  <a:schemeClr val="bg2">
+                    <a:lumMod val="50000"/>
+                  </a:schemeClr>
+                </a:solidFill>
+              </a:rPr>
+              <a:t>of</a:t>
+            </a:r>
+            <a:r>
+              <a:rPr lang="de-DE" sz="1600" dirty="0">
+                <a:ln w="0"/>
+                <a:solidFill>
+                  <a:schemeClr val="bg2">
+                    <a:lumMod val="50000"/>
+                  </a:schemeClr>
+                </a:solidFill>
+              </a:rPr>
+              <a:t> </a:t>
+            </a:r>
+            <a:r>
+              <a:rPr lang="de-DE" sz="1600" dirty="0" err="1">
+                <a:ln w="0"/>
+                <a:solidFill>
+                  <a:schemeClr val="bg2">
+                    <a:lumMod val="50000"/>
+                  </a:schemeClr>
+                </a:solidFill>
+              </a:rPr>
+              <a:t>data</a:t>
+            </a:r>
+            <a:r>
+              <a:rPr lang="de-DE" sz="1600" dirty="0">
+                <a:ln w="0"/>
+                <a:solidFill>
+                  <a:schemeClr val="bg2">
+                    <a:lumMod val="50000"/>
+                  </a:schemeClr>
+                </a:solidFill>
+              </a:rPr>
+              <a:t> </a:t>
+            </a:r>
+            <a:r>
+              <a:rPr lang="de-DE" sz="1600" dirty="0" err="1">
+                <a:ln w="0"/>
+                <a:solidFill>
+                  <a:schemeClr val="bg2">
+                    <a:lumMod val="50000"/>
+                  </a:schemeClr>
+                </a:solidFill>
+              </a:rPr>
+              <a:t>for</a:t>
+            </a:r>
+            <a:r>
+              <a:rPr lang="de-DE" sz="1600" dirty="0">
+                <a:ln w="0"/>
+                <a:solidFill>
+                  <a:schemeClr val="bg2">
+                    <a:lumMod val="50000"/>
+                  </a:schemeClr>
+                </a:solidFill>
+              </a:rPr>
+              <a:t> </a:t>
+            </a:r>
+            <a:r>
+              <a:rPr lang="de-DE" sz="1600" dirty="0" err="1">
+                <a:ln w="0"/>
+                <a:solidFill>
+                  <a:schemeClr val="bg2">
+                    <a:lumMod val="50000"/>
+                  </a:schemeClr>
+                </a:solidFill>
+              </a:rPr>
+              <a:t>everybody</a:t>
+            </a:r>
+            <a:r>
+              <a:rPr lang="de-DE" sz="1600" dirty="0">
+                <a:ln w="0"/>
+                <a:solidFill>
+                  <a:schemeClr val="bg2">
+                    <a:lumMod val="50000"/>
+                  </a:schemeClr>
+                </a:solidFill>
+              </a:rPr>
+              <a:t> – not </a:t>
+            </a:r>
+            <a:r>
+              <a:rPr lang="de-DE" sz="1600" dirty="0" err="1">
+                <a:ln w="0"/>
+                <a:solidFill>
+                  <a:schemeClr val="bg2">
+                    <a:lumMod val="50000"/>
+                  </a:schemeClr>
+                </a:solidFill>
+              </a:rPr>
+              <a:t>only</a:t>
+            </a:r>
+            <a:r>
+              <a:rPr lang="de-DE" sz="1600" dirty="0">
+                <a:ln w="0"/>
+                <a:solidFill>
+                  <a:schemeClr val="bg2">
+                    <a:lumMod val="50000"/>
+                  </a:schemeClr>
+                </a:solidFill>
+              </a:rPr>
+              <a:t> </a:t>
+            </a:r>
+            <a:r>
+              <a:rPr lang="de-DE" sz="1600" dirty="0" err="1">
+                <a:ln w="0"/>
+                <a:solidFill>
+                  <a:schemeClr val="bg2">
+                    <a:lumMod val="50000"/>
+                  </a:schemeClr>
+                </a:solidFill>
+              </a:rPr>
+              <a:t>companies</a:t>
+            </a:r>
+            <a:r>
+              <a:rPr lang="de-DE" sz="1600" dirty="0">
+                <a:ln w="0"/>
+                <a:solidFill>
+                  <a:schemeClr val="bg2">
+                    <a:lumMod val="50000"/>
+                  </a:schemeClr>
+                </a:solidFill>
+              </a:rPr>
+              <a:t>.</a:t>
+            </a:r>
+          </a:p>
+        </p:txBody>
+      </p:sp>
+    </p:spTree>
+    <p:extLst>
+      <p:ext uri="{BB962C8B-B14F-4D97-AF65-F5344CB8AC3E}">
+        <p14:creationId xmlns:p14="http://schemas.microsoft.com/office/powerpoint/2010/main" val="330775543"/>
+      </p:ext>
+    </p:extLst>
+  </p:cSld>
+  <p:clrMapOvr>
+    <a:masterClrMapping/>
+  </p:clrMapOvr>
+</p:sld>
+</file>
+
 <file path=ppt/theme/theme1.xml><?xml version="1.0" encoding="utf-8"?>
 <a:theme xmlns:a="http://schemas.openxmlformats.org/drawingml/2006/main" name="Office">
   <a:themeElements>
